--- a/122/NMOP/bbf-nmop-interim-draft-ietf-nmop-yang-message-broker-integration-06.pptx
+++ b/122/NMOP/bbf-nmop-interim-draft-ietf-nmop-yang-message-broker-integration-06.pptx
@@ -146,7 +146,7 @@
   <pc:docChgLst>
     <pc:chgData name="Graf Thomas, INI-NET-VNC-E2E" userId="487bc3e3-9ce7-4cdd-b7b4-8899ea88d289" providerId="ADAL" clId="{23DAAAFE-1C75-48F9-94BE-1C45A7C23D09}"/>
     <pc:docChg chg="undo custSel addSld delSld modSld sldOrd">
-      <pc:chgData name="Graf Thomas, INI-NET-VNC-E2E" userId="487bc3e3-9ce7-4cdd-b7b4-8899ea88d289" providerId="ADAL" clId="{23DAAAFE-1C75-48F9-94BE-1C45A7C23D09}" dt="2025-02-13T13:26:43.466" v="1414" actId="47"/>
+      <pc:chgData name="Graf Thomas, INI-NET-VNC-E2E" userId="487bc3e3-9ce7-4cdd-b7b4-8899ea88d289" providerId="ADAL" clId="{23DAAAFE-1C75-48F9-94BE-1C45A7C23D09}" dt="2025-02-21T09:51:52.396" v="1422" actId="20577"/>
       <pc:docMkLst>
         <pc:docMk/>
       </pc:docMkLst>
@@ -158,13 +158,13 @@
         </pc:sldMkLst>
       </pc:sldChg>
       <pc:sldChg chg="modSp mod">
-        <pc:chgData name="Graf Thomas, INI-NET-VNC-E2E" userId="487bc3e3-9ce7-4cdd-b7b4-8899ea88d289" providerId="ADAL" clId="{23DAAAFE-1C75-48F9-94BE-1C45A7C23D09}" dt="2025-02-13T12:02:32.105" v="1" actId="20577"/>
+        <pc:chgData name="Graf Thomas, INI-NET-VNC-E2E" userId="487bc3e3-9ce7-4cdd-b7b4-8899ea88d289" providerId="ADAL" clId="{23DAAAFE-1C75-48F9-94BE-1C45A7C23D09}" dt="2025-02-21T09:51:03.272" v="1418" actId="20577"/>
         <pc:sldMkLst>
           <pc:docMk/>
           <pc:sldMk cId="3578665336" sldId="1041"/>
         </pc:sldMkLst>
         <pc:spChg chg="mod">
-          <ac:chgData name="Graf Thomas, INI-NET-VNC-E2E" userId="487bc3e3-9ce7-4cdd-b7b4-8899ea88d289" providerId="ADAL" clId="{23DAAAFE-1C75-48F9-94BE-1C45A7C23D09}" dt="2025-02-13T12:02:32.105" v="1" actId="20577"/>
+          <ac:chgData name="Graf Thomas, INI-NET-VNC-E2E" userId="487bc3e3-9ce7-4cdd-b7b4-8899ea88d289" providerId="ADAL" clId="{23DAAAFE-1C75-48F9-94BE-1C45A7C23D09}" dt="2025-02-21T09:51:03.272" v="1418" actId="20577"/>
           <ac:spMkLst>
             <pc:docMk/>
             <pc:sldMk cId="3578665336" sldId="1041"/>
@@ -358,7 +358,7 @@
         </pc:sldMkLst>
       </pc:sldChg>
       <pc:sldChg chg="modSp add mod">
-        <pc:chgData name="Graf Thomas, INI-NET-VNC-E2E" userId="487bc3e3-9ce7-4cdd-b7b4-8899ea88d289" providerId="ADAL" clId="{23DAAAFE-1C75-48F9-94BE-1C45A7C23D09}" dt="2025-02-13T12:52:30.646" v="1259" actId="14100"/>
+        <pc:chgData name="Graf Thomas, INI-NET-VNC-E2E" userId="487bc3e3-9ce7-4cdd-b7b4-8899ea88d289" providerId="ADAL" clId="{23DAAAFE-1C75-48F9-94BE-1C45A7C23D09}" dt="2025-02-21T09:51:52.396" v="1422" actId="20577"/>
         <pc:sldMkLst>
           <pc:docMk/>
           <pc:sldMk cId="3524404663" sldId="2145706275"/>
@@ -372,7 +372,7 @@
           </ac:spMkLst>
         </pc:spChg>
         <pc:spChg chg="mod">
-          <ac:chgData name="Graf Thomas, INI-NET-VNC-E2E" userId="487bc3e3-9ce7-4cdd-b7b4-8899ea88d289" providerId="ADAL" clId="{23DAAAFE-1C75-48F9-94BE-1C45A7C23D09}" dt="2025-02-13T12:45:22.088" v="773" actId="20577"/>
+          <ac:chgData name="Graf Thomas, INI-NET-VNC-E2E" userId="487bc3e3-9ce7-4cdd-b7b4-8899ea88d289" providerId="ADAL" clId="{23DAAAFE-1C75-48F9-94BE-1C45A7C23D09}" dt="2025-02-21T09:51:52.396" v="1422" actId="20577"/>
           <ac:spMkLst>
             <pc:docMk/>
             <pc:sldMk cId="3524404663" sldId="2145706275"/>
@@ -652,7 +652,7 @@
           <a:p>
             <a:fld id="{E5E705E9-673F-4AC4-B29E-A7B26F3B8523}" type="datetimeFigureOut">
               <a:rPr lang="de-CH" smtClean="0"/>
-              <a:t>13.02.2025</a:t>
+              <a:t>21.02.2025</a:t>
             </a:fld>
             <a:endParaRPr lang="de-CH"/>
           </a:p>
@@ -1830,7 +1830,7 @@
           <a:p>
             <a:fld id="{9E9B238C-2335-4007-98C9-471C02CC43B6}" type="datetimeFigureOut">
               <a:rPr lang="de-CH" smtClean="0"/>
-              <a:t>13.02.2025</a:t>
+              <a:t>21.02.2025</a:t>
             </a:fld>
             <a:endParaRPr lang="de-CH"/>
           </a:p>
@@ -2030,7 +2030,7 @@
           <a:p>
             <a:fld id="{9E9B238C-2335-4007-98C9-471C02CC43B6}" type="datetimeFigureOut">
               <a:rPr lang="de-CH" smtClean="0"/>
-              <a:t>13.02.2025</a:t>
+              <a:t>21.02.2025</a:t>
             </a:fld>
             <a:endParaRPr lang="de-CH"/>
           </a:p>
@@ -2240,7 +2240,7 @@
           <a:p>
             <a:fld id="{9E9B238C-2335-4007-98C9-471C02CC43B6}" type="datetimeFigureOut">
               <a:rPr lang="de-CH" smtClean="0"/>
-              <a:t>13.02.2025</a:t>
+              <a:t>21.02.2025</a:t>
             </a:fld>
             <a:endParaRPr lang="de-CH"/>
           </a:p>
@@ -3682,7 +3682,7 @@
           <a:p>
             <a:fld id="{9E9B238C-2335-4007-98C9-471C02CC43B6}" type="datetimeFigureOut">
               <a:rPr lang="de-CH" smtClean="0"/>
-              <a:t>13.02.2025</a:t>
+              <a:t>21.02.2025</a:t>
             </a:fld>
             <a:endParaRPr lang="de-CH"/>
           </a:p>
@@ -3958,7 +3958,7 @@
           <a:p>
             <a:fld id="{9E9B238C-2335-4007-98C9-471C02CC43B6}" type="datetimeFigureOut">
               <a:rPr lang="de-CH" smtClean="0"/>
-              <a:t>13.02.2025</a:t>
+              <a:t>21.02.2025</a:t>
             </a:fld>
             <a:endParaRPr lang="de-CH"/>
           </a:p>
@@ -4226,7 +4226,7 @@
           <a:p>
             <a:fld id="{9E9B238C-2335-4007-98C9-471C02CC43B6}" type="datetimeFigureOut">
               <a:rPr lang="de-CH" smtClean="0"/>
-              <a:t>13.02.2025</a:t>
+              <a:t>21.02.2025</a:t>
             </a:fld>
             <a:endParaRPr lang="de-CH"/>
           </a:p>
@@ -4641,7 +4641,7 @@
           <a:p>
             <a:fld id="{9E9B238C-2335-4007-98C9-471C02CC43B6}" type="datetimeFigureOut">
               <a:rPr lang="de-CH" smtClean="0"/>
-              <a:t>13.02.2025</a:t>
+              <a:t>21.02.2025</a:t>
             </a:fld>
             <a:endParaRPr lang="de-CH"/>
           </a:p>
@@ -4783,7 +4783,7 @@
           <a:p>
             <a:fld id="{9E9B238C-2335-4007-98C9-471C02CC43B6}" type="datetimeFigureOut">
               <a:rPr lang="de-CH" smtClean="0"/>
-              <a:t>13.02.2025</a:t>
+              <a:t>21.02.2025</a:t>
             </a:fld>
             <a:endParaRPr lang="de-CH"/>
           </a:p>
@@ -4896,7 +4896,7 @@
           <a:p>
             <a:fld id="{9E9B238C-2335-4007-98C9-471C02CC43B6}" type="datetimeFigureOut">
               <a:rPr lang="de-CH" smtClean="0"/>
-              <a:t>13.02.2025</a:t>
+              <a:t>21.02.2025</a:t>
             </a:fld>
             <a:endParaRPr lang="de-CH"/>
           </a:p>
@@ -5209,7 +5209,7 @@
           <a:p>
             <a:fld id="{9E9B238C-2335-4007-98C9-471C02CC43B6}" type="datetimeFigureOut">
               <a:rPr lang="de-CH" smtClean="0"/>
-              <a:t>13.02.2025</a:t>
+              <a:t>21.02.2025</a:t>
             </a:fld>
             <a:endParaRPr lang="de-CH"/>
           </a:p>
@@ -5498,7 +5498,7 @@
           <a:p>
             <a:fld id="{9E9B238C-2335-4007-98C9-471C02CC43B6}" type="datetimeFigureOut">
               <a:rPr lang="de-CH" smtClean="0"/>
-              <a:t>13.02.2025</a:t>
+              <a:t>21.02.2025</a:t>
             </a:fld>
             <a:endParaRPr lang="de-CH"/>
           </a:p>
@@ -5741,7 +5741,7 @@
           <a:p>
             <a:fld id="{9E9B238C-2335-4007-98C9-471C02CC43B6}" type="datetimeFigureOut">
               <a:rPr lang="de-CH" smtClean="0"/>
-              <a:t>13.02.2025</a:t>
+              <a:t>21.02.2025</a:t>
             </a:fld>
             <a:endParaRPr lang="de-CH"/>
           </a:p>
@@ -6553,7 +6553,7 @@
               <a:rPr lang="de-CH" sz="1400" dirty="0">
                 <a:latin typeface="+mj-lt"/>
               </a:rPr>
-              <a:t>13. </a:t>
+              <a:t>21. </a:t>
             </a:r>
             <a:r>
               <a:rPr lang="de-CH" sz="1400" dirty="0" err="1">
@@ -15606,7 +15606,15 @@
           <a:p>
             <a:r>
               <a:rPr lang="en-US" sz="1600" dirty="0"/>
-              <a:t>This is where we noticed WT-508 at BBF its potential synergies.</a:t>
+              <a:t>This is where we noticed WT-508 at </a:t>
+            </a:r>
+            <a:r>
+              <a:rPr lang="en-US" sz="1600"/>
+              <a:t>BBF and its </a:t>
+            </a:r>
+            <a:r>
+              <a:rPr lang="en-US" sz="1600" dirty="0"/>
+              <a:t>potential synergies.</a:t>
             </a:r>
           </a:p>
         </p:txBody>
